--- a/web library.pptx
+++ b/web library.pptx
@@ -12,8 +12,8 @@
     <p:sldId id="262" r:id="rId6"/>
     <p:sldId id="263" r:id="rId7"/>
     <p:sldId id="264" r:id="rId8"/>
-    <p:sldId id="260" r:id="rId9"/>
-    <p:sldId id="261" r:id="rId10"/>
+    <p:sldId id="261" r:id="rId9"/>
+    <p:sldId id="265" r:id="rId10"/>
   </p:sldIdLst>
   <p:sldSz cx="12192000" cy="6858000"/>
   <p:notesSz cx="6858000" cy="9144000"/>
@@ -251,7 +251,7 @@
           <a:p>
             <a:fld id="{198D9852-3C84-4E88-902B-89C90D81D500}" type="datetimeFigureOut">
               <a:rPr lang="ru-RU" smtClean="0"/>
-              <a:t>26.04.2021</a:t>
+              <a:t>29.05.2021</a:t>
             </a:fld>
             <a:endParaRPr lang="ru-RU"/>
           </a:p>
@@ -421,7 +421,7 @@
           <a:p>
             <a:fld id="{198D9852-3C84-4E88-902B-89C90D81D500}" type="datetimeFigureOut">
               <a:rPr lang="ru-RU" smtClean="0"/>
-              <a:t>26.04.2021</a:t>
+              <a:t>29.05.2021</a:t>
             </a:fld>
             <a:endParaRPr lang="ru-RU"/>
           </a:p>
@@ -601,7 +601,7 @@
           <a:p>
             <a:fld id="{198D9852-3C84-4E88-902B-89C90D81D500}" type="datetimeFigureOut">
               <a:rPr lang="ru-RU" smtClean="0"/>
-              <a:t>26.04.2021</a:t>
+              <a:t>29.05.2021</a:t>
             </a:fld>
             <a:endParaRPr lang="ru-RU"/>
           </a:p>
@@ -771,7 +771,7 @@
           <a:p>
             <a:fld id="{198D9852-3C84-4E88-902B-89C90D81D500}" type="datetimeFigureOut">
               <a:rPr lang="ru-RU" smtClean="0"/>
-              <a:t>26.04.2021</a:t>
+              <a:t>29.05.2021</a:t>
             </a:fld>
             <a:endParaRPr lang="ru-RU"/>
           </a:p>
@@ -1017,7 +1017,7 @@
           <a:p>
             <a:fld id="{198D9852-3C84-4E88-902B-89C90D81D500}" type="datetimeFigureOut">
               <a:rPr lang="ru-RU" smtClean="0"/>
-              <a:t>26.04.2021</a:t>
+              <a:t>29.05.2021</a:t>
             </a:fld>
             <a:endParaRPr lang="ru-RU"/>
           </a:p>
@@ -1249,7 +1249,7 @@
           <a:p>
             <a:fld id="{198D9852-3C84-4E88-902B-89C90D81D500}" type="datetimeFigureOut">
               <a:rPr lang="ru-RU" smtClean="0"/>
-              <a:t>26.04.2021</a:t>
+              <a:t>29.05.2021</a:t>
             </a:fld>
             <a:endParaRPr lang="ru-RU"/>
           </a:p>
@@ -1616,7 +1616,7 @@
           <a:p>
             <a:fld id="{198D9852-3C84-4E88-902B-89C90D81D500}" type="datetimeFigureOut">
               <a:rPr lang="ru-RU" smtClean="0"/>
-              <a:t>26.04.2021</a:t>
+              <a:t>29.05.2021</a:t>
             </a:fld>
             <a:endParaRPr lang="ru-RU"/>
           </a:p>
@@ -1734,7 +1734,7 @@
           <a:p>
             <a:fld id="{198D9852-3C84-4E88-902B-89C90D81D500}" type="datetimeFigureOut">
               <a:rPr lang="ru-RU" smtClean="0"/>
-              <a:t>26.04.2021</a:t>
+              <a:t>29.05.2021</a:t>
             </a:fld>
             <a:endParaRPr lang="ru-RU"/>
           </a:p>
@@ -1829,7 +1829,7 @@
           <a:p>
             <a:fld id="{198D9852-3C84-4E88-902B-89C90D81D500}" type="datetimeFigureOut">
               <a:rPr lang="ru-RU" smtClean="0"/>
-              <a:t>26.04.2021</a:t>
+              <a:t>29.05.2021</a:t>
             </a:fld>
             <a:endParaRPr lang="ru-RU"/>
           </a:p>
@@ -2106,7 +2106,7 @@
           <a:p>
             <a:fld id="{198D9852-3C84-4E88-902B-89C90D81D500}" type="datetimeFigureOut">
               <a:rPr lang="ru-RU" smtClean="0"/>
-              <a:t>26.04.2021</a:t>
+              <a:t>29.05.2021</a:t>
             </a:fld>
             <a:endParaRPr lang="ru-RU"/>
           </a:p>
@@ -2359,7 +2359,7 @@
           <a:p>
             <a:fld id="{198D9852-3C84-4E88-902B-89C90D81D500}" type="datetimeFigureOut">
               <a:rPr lang="ru-RU" smtClean="0"/>
-              <a:t>26.04.2021</a:t>
+              <a:t>29.05.2021</a:t>
             </a:fld>
             <a:endParaRPr lang="ru-RU"/>
           </a:p>
@@ -2572,7 +2572,7 @@
           <a:p>
             <a:fld id="{198D9852-3C84-4E88-902B-89C90D81D500}" type="datetimeFigureOut">
               <a:rPr lang="ru-RU" smtClean="0"/>
-              <a:t>26.04.2021</a:t>
+              <a:t>29.05.2021</a:t>
             </a:fld>
             <a:endParaRPr lang="ru-RU"/>
           </a:p>
@@ -3017,7 +3017,7 @@
           <a:p>
             <a:r>
               <a:rPr lang="ru-RU" dirty="0" smtClean="0"/>
-              <a:t>Выполнили</a:t>
+              <a:t>Авторы</a:t>
             </a:r>
             <a:r>
               <a:rPr lang="en-US" dirty="0" smtClean="0"/>
@@ -3025,7 +3025,11 @@
             </a:r>
             <a:r>
               <a:rPr lang="ru-RU" dirty="0" smtClean="0"/>
-              <a:t>Чурилов Иван и </a:t>
+              <a:t>Чурилов </a:t>
+            </a:r>
+            <a:r>
+              <a:rPr lang="ru-RU" dirty="0" smtClean="0"/>
+              <a:t>Иван, </a:t>
             </a:r>
             <a:r>
               <a:rPr lang="ru-RU" dirty="0" err="1" smtClean="0"/>
@@ -3107,9 +3111,16 @@
           <a:bodyPr/>
           <a:lstStyle/>
           <a:p>
+            <a:pPr marL="0" indent="0">
+              <a:buNone/>
+            </a:pPr>
             <a:r>
               <a:rPr lang="ru-RU" dirty="0" smtClean="0"/>
-              <a:t>В наше время дети и подростки много времени проводят в интернете. Задачей нашего проекта было сделать их препровождение познавательнее. Научить их любить книги и литературу в целом.</a:t>
+              <a:t>В наше время дети и подростки много времени проводят в интернете. Задачей нашего проекта было сделать их препровождение познавательнее. Научить их любить книги и литературу в целом</a:t>
+            </a:r>
+            <a:r>
+              <a:rPr lang="ru-RU" dirty="0" smtClean="0"/>
+              <a:t>.</a:t>
             </a:r>
             <a:endParaRPr lang="ru-RU" dirty="0"/>
           </a:p>
@@ -3162,7 +3173,7 @@
           <a:p>
             <a:r>
               <a:rPr lang="ru-RU" dirty="0" smtClean="0"/>
-              <a:t>Структура проекта</a:t>
+              <a:t>Что из себя представляет проект</a:t>
             </a:r>
             <a:endParaRPr lang="ru-RU" dirty="0"/>
           </a:p>
@@ -3183,25 +3194,12 @@
           <a:bodyPr/>
           <a:lstStyle/>
           <a:p>
+            <a:pPr marL="0" indent="0">
+              <a:buNone/>
+            </a:pPr>
             <a:r>
               <a:rPr lang="ru-RU" dirty="0" smtClean="0"/>
-              <a:t>Наш веб-сайт работает от одного основного файла и семи вспомогательных. Также огромную роль в этом проекте сыграли </a:t>
-            </a:r>
-            <a:r>
-              <a:rPr lang="en-US" dirty="0" smtClean="0"/>
-              <a:t>html </a:t>
-            </a:r>
-            <a:r>
-              <a:rPr lang="ru-RU" dirty="0" smtClean="0"/>
-              <a:t>файлы, над которыми пришлось очень много трудиться. </a:t>
-            </a:r>
-            <a:r>
-              <a:rPr lang="en-US" dirty="0" smtClean="0"/>
-              <a:t>Html </a:t>
-            </a:r>
-            <a:r>
-              <a:rPr lang="ru-RU" dirty="0" smtClean="0"/>
-              <a:t>файлы разбиты на базовый и шаблоны к нему. Каждый отвечает за свою страницу. Это довольно удобно, так как, чтобы изменить часть не приходиться переписывать половину.</a:t>
+              <a:t>Проект представляет из себя онлайн библиотеку, где вы можете читать и скачивать книги. Также присутствует возможность добавления новых книг с аккаунта администратора.</a:t>
             </a:r>
             <a:endParaRPr lang="ru-RU" dirty="0"/>
           </a:p>
@@ -3277,35 +3275,21 @@
           <a:p>
             <a:r>
               <a:rPr lang="ru-RU" dirty="0" smtClean="0"/>
-              <a:t>В этом проекте не используются какие-то </a:t>
+              <a:t>В проекте использован </a:t>
             </a:r>
             <a:r>
               <a:rPr lang="en-US" dirty="0" smtClean="0"/>
-              <a:t>&lt;&lt;</a:t>
-            </a:r>
-            <a:r>
-              <a:rPr lang="ru-RU" dirty="0" err="1" smtClean="0"/>
-              <a:t>вау</a:t>
+              <a:t>API </a:t>
             </a:r>
             <a:r>
               <a:rPr lang="ru-RU" dirty="0" smtClean="0"/>
-              <a:t>!</a:t>
-            </a:r>
-            <a:r>
-              <a:rPr lang="en-US" dirty="0" smtClean="0"/>
-              <a:t>&gt;&gt; </a:t>
-            </a:r>
+              <a:t>Яндекс Диска.</a:t>
+            </a:r>
+          </a:p>
+          <a:p>
             <a:r>
               <a:rPr lang="ru-RU" dirty="0" smtClean="0"/>
-              <a:t>технологии, но он приятен сам по себе. Здесь очень хорошо показано взаимодействие с сервисами через </a:t>
-            </a:r>
-            <a:r>
-              <a:rPr lang="en-US" dirty="0" smtClean="0"/>
-              <a:t>API</a:t>
-            </a:r>
-            <a:r>
-              <a:rPr lang="ru-RU" dirty="0" smtClean="0"/>
-              <a:t>, а также сайт выполнен в приятном и сдержанном дизайне.</a:t>
+              <a:t>Добавлен режим для слабовидящих</a:t>
             </a:r>
             <a:endParaRPr lang="ru-RU" dirty="0"/>
           </a:p>
@@ -3384,173 +3368,6 @@
       </p:pic>
       <p:sp>
         <p:nvSpPr>
-          <p:cNvPr id="8" name="Прямоугольник с одним вырезанным углом 7"/>
-          <p:cNvSpPr/>
-          <p:nvPr/>
-        </p:nvSpPr>
-        <p:spPr>
-          <a:xfrm>
-            <a:off x="134586" y="1149401"/>
-            <a:ext cx="1378857" cy="609600"/>
-          </a:xfrm>
-          <a:prstGeom prst="snip1Rect">
-            <a:avLst/>
-          </a:prstGeom>
-        </p:spPr>
-        <p:style>
-          <a:lnRef idx="2">
-            <a:schemeClr val="accent1">
-              <a:shade val="50000"/>
-            </a:schemeClr>
-          </a:lnRef>
-          <a:fillRef idx="1">
-            <a:schemeClr val="accent1"/>
-          </a:fillRef>
-          <a:effectRef idx="0">
-            <a:schemeClr val="accent1"/>
-          </a:effectRef>
-          <a:fontRef idx="minor">
-            <a:schemeClr val="lt1"/>
-          </a:fontRef>
-        </p:style>
-        <p:txBody>
-          <a:bodyPr rtlCol="0" anchor="ctr"/>
-          <a:lstStyle/>
-          <a:p>
-            <a:pPr algn="ctr"/>
-            <a:r>
-              <a:rPr lang="ru-RU" dirty="0" smtClean="0"/>
-              <a:t>Переход на главную</a:t>
-            </a:r>
-            <a:endParaRPr lang="ru-RU" dirty="0"/>
-          </a:p>
-        </p:txBody>
-      </p:sp>
-      <p:cxnSp>
-        <p:nvCxnSpPr>
-          <p:cNvPr id="11" name="Прямая со стрелкой 10"/>
-          <p:cNvCxnSpPr>
-            <a:stCxn id="8" idx="0"/>
-          </p:cNvCxnSpPr>
-          <p:nvPr/>
-        </p:nvCxnSpPr>
-        <p:spPr>
-          <a:xfrm>
-            <a:off x="1513443" y="1454201"/>
-            <a:ext cx="897247" cy="139072"/>
-          </a:xfrm>
-          <a:prstGeom prst="straightConnector1">
-            <a:avLst/>
-          </a:prstGeom>
-          <a:ln>
-            <a:tailEnd type="triangle"/>
-          </a:ln>
-        </p:spPr>
-        <p:style>
-          <a:lnRef idx="1">
-            <a:schemeClr val="accent1"/>
-          </a:lnRef>
-          <a:fillRef idx="0">
-            <a:schemeClr val="accent1"/>
-          </a:fillRef>
-          <a:effectRef idx="0">
-            <a:schemeClr val="accent1"/>
-          </a:effectRef>
-          <a:fontRef idx="minor">
-            <a:schemeClr val="tx1"/>
-          </a:fontRef>
-        </p:style>
-      </p:cxnSp>
-      <p:sp>
-        <p:nvSpPr>
-          <p:cNvPr id="12" name="Прямоугольник с одним вырезанным углом 11"/>
-          <p:cNvSpPr/>
-          <p:nvPr/>
-        </p:nvSpPr>
-        <p:spPr>
-          <a:xfrm>
-            <a:off x="2189018" y="374074"/>
-            <a:ext cx="1787237" cy="609600"/>
-          </a:xfrm>
-          <a:prstGeom prst="snip1Rect">
-            <a:avLst/>
-          </a:prstGeom>
-        </p:spPr>
-        <p:style>
-          <a:lnRef idx="2">
-            <a:schemeClr val="accent1">
-              <a:shade val="50000"/>
-            </a:schemeClr>
-          </a:lnRef>
-          <a:fillRef idx="1">
-            <a:schemeClr val="accent1"/>
-          </a:fillRef>
-          <a:effectRef idx="0">
-            <a:schemeClr val="accent1"/>
-          </a:effectRef>
-          <a:fontRef idx="minor">
-            <a:schemeClr val="lt1"/>
-          </a:fontRef>
-        </p:style>
-        <p:txBody>
-          <a:bodyPr rtlCol="0" anchor="ctr"/>
-          <a:lstStyle/>
-          <a:p>
-            <a:pPr algn="ctr"/>
-            <a:r>
-              <a:rPr lang="ru-RU" dirty="0" smtClean="0"/>
-              <a:t>Переход на каталог</a:t>
-            </a:r>
-            <a:endParaRPr lang="ru-RU" dirty="0"/>
-          </a:p>
-        </p:txBody>
-      </p:sp>
-      <p:sp>
-        <p:nvSpPr>
-          <p:cNvPr id="13" name="Прямоугольник с одним вырезанным углом 12"/>
-          <p:cNvSpPr/>
-          <p:nvPr/>
-        </p:nvSpPr>
-        <p:spPr>
-          <a:xfrm>
-            <a:off x="4322618" y="374074"/>
-            <a:ext cx="2119746" cy="609600"/>
-          </a:xfrm>
-          <a:prstGeom prst="snip1Rect">
-            <a:avLst/>
-          </a:prstGeom>
-        </p:spPr>
-        <p:style>
-          <a:lnRef idx="2">
-            <a:schemeClr val="accent1">
-              <a:shade val="50000"/>
-            </a:schemeClr>
-          </a:lnRef>
-          <a:fillRef idx="1">
-            <a:schemeClr val="accent1"/>
-          </a:fillRef>
-          <a:effectRef idx="0">
-            <a:schemeClr val="accent1"/>
-          </a:effectRef>
-          <a:fontRef idx="minor">
-            <a:schemeClr val="lt1"/>
-          </a:fontRef>
-        </p:style>
-        <p:txBody>
-          <a:bodyPr rtlCol="0" anchor="ctr"/>
-          <a:lstStyle/>
-          <a:p>
-            <a:pPr algn="ctr"/>
-            <a:r>
-              <a:rPr lang="ru-RU" dirty="0" smtClean="0"/>
-              <a:t>Информация о разработчиках</a:t>
-            </a:r>
-            <a:endParaRPr lang="ru-RU" dirty="0"/>
-          </a:p>
-        </p:txBody>
-      </p:sp>
-      <p:sp>
-        <p:nvSpPr>
           <p:cNvPr id="14" name="Прямоугольник с одним вырезанным углом 13"/>
           <p:cNvSpPr/>
           <p:nvPr/>
@@ -3593,111 +3410,6 @@
           </a:p>
         </p:txBody>
       </p:sp>
-      <p:cxnSp>
-        <p:nvCxnSpPr>
-          <p:cNvPr id="16" name="Прямая со стрелкой 15"/>
-          <p:cNvCxnSpPr>
-            <a:stCxn id="12" idx="1"/>
-          </p:cNvCxnSpPr>
-          <p:nvPr/>
-        </p:nvCxnSpPr>
-        <p:spPr>
-          <a:xfrm>
-            <a:off x="3082637" y="983674"/>
-            <a:ext cx="131618" cy="609599"/>
-          </a:xfrm>
-          <a:prstGeom prst="straightConnector1">
-            <a:avLst/>
-          </a:prstGeom>
-          <a:ln>
-            <a:tailEnd type="triangle"/>
-          </a:ln>
-        </p:spPr>
-        <p:style>
-          <a:lnRef idx="1">
-            <a:schemeClr val="accent1"/>
-          </a:lnRef>
-          <a:fillRef idx="0">
-            <a:schemeClr val="accent1"/>
-          </a:fillRef>
-          <a:effectRef idx="0">
-            <a:schemeClr val="accent1"/>
-          </a:effectRef>
-          <a:fontRef idx="minor">
-            <a:schemeClr val="tx1"/>
-          </a:fontRef>
-        </p:style>
-      </p:cxnSp>
-      <p:cxnSp>
-        <p:nvCxnSpPr>
-          <p:cNvPr id="18" name="Прямая со стрелкой 17"/>
-          <p:cNvCxnSpPr>
-            <a:stCxn id="13" idx="1"/>
-          </p:cNvCxnSpPr>
-          <p:nvPr/>
-        </p:nvCxnSpPr>
-        <p:spPr>
-          <a:xfrm flipH="1">
-            <a:off x="4322618" y="983674"/>
-            <a:ext cx="1059873" cy="470527"/>
-          </a:xfrm>
-          <a:prstGeom prst="straightConnector1">
-            <a:avLst/>
-          </a:prstGeom>
-          <a:ln>
-            <a:tailEnd type="triangle"/>
-          </a:ln>
-        </p:spPr>
-        <p:style>
-          <a:lnRef idx="1">
-            <a:schemeClr val="accent1"/>
-          </a:lnRef>
-          <a:fillRef idx="0">
-            <a:schemeClr val="accent1"/>
-          </a:fillRef>
-          <a:effectRef idx="0">
-            <a:schemeClr val="accent1"/>
-          </a:effectRef>
-          <a:fontRef idx="minor">
-            <a:schemeClr val="tx1"/>
-          </a:fontRef>
-        </p:style>
-      </p:cxnSp>
-      <p:cxnSp>
-        <p:nvCxnSpPr>
-          <p:cNvPr id="20" name="Прямая со стрелкой 19"/>
-          <p:cNvCxnSpPr>
-            <a:stCxn id="14" idx="0"/>
-          </p:cNvCxnSpPr>
-          <p:nvPr/>
-        </p:nvCxnSpPr>
-        <p:spPr>
-          <a:xfrm flipV="1">
-            <a:off x="1603167" y="3754582"/>
-            <a:ext cx="1195451" cy="161766"/>
-          </a:xfrm>
-          <a:prstGeom prst="straightConnector1">
-            <a:avLst/>
-          </a:prstGeom>
-          <a:ln>
-            <a:tailEnd type="triangle"/>
-          </a:ln>
-        </p:spPr>
-        <p:style>
-          <a:lnRef idx="1">
-            <a:schemeClr val="accent1"/>
-          </a:lnRef>
-          <a:fillRef idx="0">
-            <a:schemeClr val="accent1"/>
-          </a:fillRef>
-          <a:effectRef idx="0">
-            <a:schemeClr val="accent1"/>
-          </a:effectRef>
-          <a:fontRef idx="minor">
-            <a:schemeClr val="tx1"/>
-          </a:fontRef>
-        </p:style>
-      </p:cxnSp>
     </p:spTree>
     <p:extLst>
       <p:ext uri="{BB962C8B-B14F-4D97-AF65-F5344CB8AC3E}">
@@ -3858,76 +3570,6 @@
           </a:p>
         </p:txBody>
       </p:sp>
-      <p:cxnSp>
-        <p:nvCxnSpPr>
-          <p:cNvPr id="7" name="Прямая со стрелкой 6"/>
-          <p:cNvCxnSpPr>
-            <a:stCxn id="5" idx="0"/>
-          </p:cNvCxnSpPr>
-          <p:nvPr/>
-        </p:nvCxnSpPr>
-        <p:spPr>
-          <a:xfrm flipV="1">
-            <a:off x="3962400" y="1316182"/>
-            <a:ext cx="1745673" cy="200891"/>
-          </a:xfrm>
-          <a:prstGeom prst="straightConnector1">
-            <a:avLst/>
-          </a:prstGeom>
-          <a:ln>
-            <a:tailEnd type="triangle"/>
-          </a:ln>
-        </p:spPr>
-        <p:style>
-          <a:lnRef idx="1">
-            <a:schemeClr val="accent1"/>
-          </a:lnRef>
-          <a:fillRef idx="0">
-            <a:schemeClr val="accent1"/>
-          </a:fillRef>
-          <a:effectRef idx="0">
-            <a:schemeClr val="accent1"/>
-          </a:effectRef>
-          <a:fontRef idx="minor">
-            <a:schemeClr val="tx1"/>
-          </a:fontRef>
-        </p:style>
-      </p:cxnSp>
-      <p:cxnSp>
-        <p:nvCxnSpPr>
-          <p:cNvPr id="9" name="Прямая со стрелкой 8"/>
-          <p:cNvCxnSpPr>
-            <a:stCxn id="5" idx="1"/>
-          </p:cNvCxnSpPr>
-          <p:nvPr/>
-        </p:nvCxnSpPr>
-        <p:spPr>
-          <a:xfrm flipH="1">
-            <a:off x="2424545" y="2105891"/>
-            <a:ext cx="48492" cy="1524000"/>
-          </a:xfrm>
-          <a:prstGeom prst="straightConnector1">
-            <a:avLst/>
-          </a:prstGeom>
-          <a:ln>
-            <a:tailEnd type="triangle"/>
-          </a:ln>
-        </p:spPr>
-        <p:style>
-          <a:lnRef idx="1">
-            <a:schemeClr val="accent1"/>
-          </a:lnRef>
-          <a:fillRef idx="0">
-            <a:schemeClr val="accent1"/>
-          </a:fillRef>
-          <a:effectRef idx="0">
-            <a:schemeClr val="accent1"/>
-          </a:effectRef>
-          <a:fontRef idx="minor">
-            <a:schemeClr val="tx1"/>
-          </a:fontRef>
-        </p:style>
-      </p:cxnSp>
     </p:spTree>
     <p:extLst>
       <p:ext uri="{BB962C8B-B14F-4D97-AF65-F5344CB8AC3E}">
@@ -4088,77 +3730,6 @@
           </a:p>
         </p:txBody>
       </p:sp>
-      <p:cxnSp>
-        <p:nvCxnSpPr>
-          <p:cNvPr id="6" name="Прямая со стрелкой 5"/>
-          <p:cNvCxnSpPr>
-            <a:stCxn id="4" idx="0"/>
-          </p:cNvCxnSpPr>
-          <p:nvPr/>
-        </p:nvCxnSpPr>
-        <p:spPr>
-          <a:xfrm flipV="1">
-            <a:off x="4128655" y="1510145"/>
-            <a:ext cx="1828800" cy="34637"/>
-          </a:xfrm>
-          <a:prstGeom prst="straightConnector1">
-            <a:avLst/>
-          </a:prstGeom>
-          <a:ln>
-            <a:tailEnd type="triangle"/>
-          </a:ln>
-        </p:spPr>
-        <p:style>
-          <a:lnRef idx="1">
-            <a:schemeClr val="accent1"/>
-          </a:lnRef>
-          <a:fillRef idx="0">
-            <a:schemeClr val="accent1"/>
-          </a:fillRef>
-          <a:effectRef idx="0">
-            <a:schemeClr val="accent1"/>
-          </a:effectRef>
-          <a:fontRef idx="minor">
-            <a:schemeClr val="tx1"/>
-          </a:fontRef>
-        </p:style>
-      </p:cxnSp>
-      <p:cxnSp>
-        <p:nvCxnSpPr>
-          <p:cNvPr id="8" name="Прямая со стрелкой 7"/>
-          <p:cNvCxnSpPr>
-            <a:stCxn id="4" idx="1"/>
-            <a:endCxn id="3" idx="0"/>
-          </p:cNvCxnSpPr>
-          <p:nvPr/>
-        </p:nvCxnSpPr>
-        <p:spPr>
-          <a:xfrm>
-            <a:off x="2888673" y="2022764"/>
-            <a:ext cx="678873" cy="1280416"/>
-          </a:xfrm>
-          <a:prstGeom prst="straightConnector1">
-            <a:avLst/>
-          </a:prstGeom>
-          <a:ln>
-            <a:tailEnd type="triangle"/>
-          </a:ln>
-        </p:spPr>
-        <p:style>
-          <a:lnRef idx="1">
-            <a:schemeClr val="accent1"/>
-          </a:lnRef>
-          <a:fillRef idx="0">
-            <a:schemeClr val="accent1"/>
-          </a:fillRef>
-          <a:effectRef idx="0">
-            <a:schemeClr val="accent1"/>
-          </a:effectRef>
-          <a:fontRef idx="minor">
-            <a:schemeClr val="tx1"/>
-          </a:fontRef>
-        </p:style>
-      </p:cxnSp>
     </p:spTree>
     <p:extLst>
       <p:ext uri="{BB962C8B-B14F-4D97-AF65-F5344CB8AC3E}">
@@ -4206,7 +3777,7 @@
           <a:p>
             <a:r>
               <a:rPr lang="ru-RU" dirty="0" smtClean="0"/>
-              <a:t>Возможные обновления</a:t>
+              <a:t>Вывод</a:t>
             </a:r>
             <a:endParaRPr lang="ru-RU" dirty="0"/>
           </a:p>
@@ -4227,9 +3798,36 @@
           <a:bodyPr/>
           <a:lstStyle/>
           <a:p>
+            <a:pPr marL="0" indent="0">
+              <a:buNone/>
+            </a:pPr>
             <a:r>
               <a:rPr lang="ru-RU" dirty="0" smtClean="0"/>
-              <a:t>Любой проект можно полировать вечно. Возможности доработок безграничны. Это и добавление более обширной библиотеки. И возможность пользователям делиться книгами. А возможно и не исключено превращение в социальную сеть книголюбов.</a:t>
+              <a:t>Несмотря на то что работа была выполнена в довольно короткие сроки</a:t>
+            </a:r>
+            <a:r>
+              <a:rPr lang="ru-RU" dirty="0" smtClean="0"/>
+              <a:t>, по нашему мнению, </a:t>
+            </a:r>
+            <a:r>
+              <a:rPr lang="ru-RU" dirty="0" smtClean="0"/>
+              <a:t>она получилась достойной. </a:t>
+            </a:r>
+            <a:r>
+              <a:rPr lang="ru-RU" dirty="0" smtClean="0"/>
+              <a:t>Также </a:t>
+            </a:r>
+            <a:r>
+              <a:rPr lang="ru-RU" dirty="0" smtClean="0"/>
+              <a:t>хотелось отметить замечательную работу в команде, когда каждый </a:t>
+            </a:r>
+            <a:r>
+              <a:rPr lang="ru-RU" dirty="0" smtClean="0"/>
+              <a:t>делает </a:t>
+            </a:r>
+            <a:r>
+              <a:rPr lang="ru-RU" dirty="0" smtClean="0"/>
+              <a:t>вроде бы что-то свое, а на самом деле для общего целого. </a:t>
             </a:r>
             <a:endParaRPr lang="ru-RU" dirty="0"/>
           </a:p>
@@ -4238,7 +3836,7 @@
     </p:spTree>
     <p:extLst>
       <p:ext uri="{BB962C8B-B14F-4D97-AF65-F5344CB8AC3E}">
-        <p14:creationId xmlns:p14="http://schemas.microsoft.com/office/powerpoint/2010/main" val="899820419"/>
+        <p14:creationId xmlns:p14="http://schemas.microsoft.com/office/powerpoint/2010/main" val="3788137989"/>
       </p:ext>
     </p:extLst>
   </p:cSld>
@@ -4267,7 +3865,7 @@
       </p:grpSpPr>
       <p:sp>
         <p:nvSpPr>
-          <p:cNvPr id="2" name="Заголовок 1"/>
+          <p:cNvPr id="4" name="Заголовок 3"/>
           <p:cNvSpPr>
             <a:spLocks noGrp="1"/>
           </p:cNvSpPr>
@@ -4275,46 +3873,50 @@
             <p:ph type="title"/>
           </p:nvPr>
         </p:nvSpPr>
-        <p:spPr/>
-        <p:txBody>
-          <a:bodyPr/>
-          <a:lstStyle/>
-          <a:p>
-            <a:r>
-              <a:rPr lang="ru-RU" dirty="0" smtClean="0"/>
-              <a:t>Вывод</a:t>
-            </a:r>
-            <a:endParaRPr lang="ru-RU" dirty="0"/>
-          </a:p>
-        </p:txBody>
-      </p:sp>
-      <p:sp>
-        <p:nvSpPr>
-          <p:cNvPr id="3" name="Объект 2"/>
-          <p:cNvSpPr>
-            <a:spLocks noGrp="1"/>
-          </p:cNvSpPr>
-          <p:nvPr>
-            <p:ph idx="1"/>
-          </p:nvPr>
-        </p:nvSpPr>
-        <p:spPr/>
-        <p:txBody>
-          <a:bodyPr/>
-          <a:lstStyle/>
-          <a:p>
-            <a:r>
-              <a:rPr lang="ru-RU" dirty="0" smtClean="0"/>
-              <a:t>Несмотря на то что работа была выполнена в довольно короткие сроки, она получилась достойной. Мы реализовали все что заявляли и хоть и были какие-то трудности. Также хотелось отметить замечательную работу в команде, когда каждый делает вроде бы что-то свое, а на самом деле для общего целого. Да возможно между партнерами и есть какое-то недопонимание, но оно быстро сменяется радостью, когда общими усилиями реализуется важная и сложная функция.</a:t>
-            </a:r>
-            <a:endParaRPr lang="ru-RU" dirty="0"/>
+        <p:spPr>
+          <a:xfrm>
+            <a:off x="357809" y="3776870"/>
+            <a:ext cx="11274287" cy="1478653"/>
+          </a:xfrm>
+        </p:spPr>
+        <p:txBody>
+          <a:bodyPr>
+            <a:normAutofit/>
+          </a:bodyPr>
+          <a:lstStyle/>
+          <a:p>
+            <a:r>
+              <a:rPr lang="ru-RU" sz="3200" dirty="0" err="1" smtClean="0"/>
+              <a:t>Репозиторий</a:t>
+            </a:r>
+            <a:r>
+              <a:rPr lang="ru-RU" sz="3200" dirty="0" smtClean="0"/>
+              <a:t> проекта</a:t>
+            </a:r>
+            <a:r>
+              <a:rPr lang="en-US" sz="3200" dirty="0" smtClean="0"/>
+              <a:t>:</a:t>
+            </a:r>
+            <a:r>
+              <a:rPr lang="ru-RU" sz="3200" dirty="0" smtClean="0"/>
+              <a:t> </a:t>
+            </a:r>
+            <a:r>
+              <a:rPr lang="en-US" sz="3200" dirty="0" smtClean="0"/>
+              <a:t>https</a:t>
+            </a:r>
+            <a:r>
+              <a:rPr lang="en-US" sz="3200" dirty="0"/>
+              <a:t>://github.com/fasepaIm/WEB_LIBRARY_IE</a:t>
+            </a:r>
+            <a:endParaRPr lang="ru-RU" sz="3200" dirty="0"/>
           </a:p>
         </p:txBody>
       </p:sp>
     </p:spTree>
     <p:extLst>
       <p:ext uri="{BB962C8B-B14F-4D97-AF65-F5344CB8AC3E}">
-        <p14:creationId xmlns:p14="http://schemas.microsoft.com/office/powerpoint/2010/main" val="3788137989"/>
+        <p14:creationId xmlns:p14="http://schemas.microsoft.com/office/powerpoint/2010/main" val="2407204906"/>
       </p:ext>
     </p:extLst>
   </p:cSld>
